--- a/521Final.pptx
+++ b/521Final.pptx
@@ -15,7 +15,12 @@
     <p:sldId id="269" r:id="rId9"/>
     <p:sldId id="266" r:id="rId10"/>
     <p:sldId id="265" r:id="rId11"/>
-    <p:sldId id="267" r:id="rId12"/>
+    <p:sldId id="270" r:id="rId12"/>
+    <p:sldId id="271" r:id="rId13"/>
+    <p:sldId id="272" r:id="rId14"/>
+    <p:sldId id="273" r:id="rId15"/>
+    <p:sldId id="274" r:id="rId16"/>
+    <p:sldId id="267" r:id="rId17"/>
   </p:sldIdLst>
   <p:sldSz cx="12192000" cy="6858000"/>
   <p:notesSz cx="6858000" cy="9144000"/>
@@ -114,6 +119,11 @@
       </a:defRPr>
     </a:lvl9pPr>
   </p:defaultTextStyle>
+  <p:extLst>
+    <p:ext uri="{EFAFB233-063F-42B5-8137-9DF3F51BA10A}">
+      <p15:sldGuideLst xmlns:p15="http://schemas.microsoft.com/office/powerpoint/2012/main"/>
+    </p:ext>
+  </p:extLst>
 </p:presentation>
 </file>
 
@@ -297,7 +307,7 @@
           <a:p>
             <a:fld id="{BADD6161-B043-4C30-B6A0-B2BE2F8AF281}" type="datetimeFigureOut">
               <a:rPr lang="en-US" smtClean="0"/>
-              <a:t>12/2/2017</a:t>
+              <a:t>12/4/2017</a:t>
             </a:fld>
             <a:endParaRPr lang="en-US"/>
           </a:p>
@@ -467,7 +477,7 @@
           <a:p>
             <a:fld id="{BADD6161-B043-4C30-B6A0-B2BE2F8AF281}" type="datetimeFigureOut">
               <a:rPr lang="en-US" smtClean="0"/>
-              <a:t>12/2/2017</a:t>
+              <a:t>12/4/2017</a:t>
             </a:fld>
             <a:endParaRPr lang="en-US"/>
           </a:p>
@@ -690,7 +700,7 @@
           <a:p>
             <a:fld id="{BADD6161-B043-4C30-B6A0-B2BE2F8AF281}" type="datetimeFigureOut">
               <a:rPr lang="en-US" smtClean="0"/>
-              <a:t>12/2/2017</a:t>
+              <a:t>12/4/2017</a:t>
             </a:fld>
             <a:endParaRPr lang="en-US"/>
           </a:p>
@@ -870,7 +880,7 @@
           <a:p>
             <a:fld id="{BADD6161-B043-4C30-B6A0-B2BE2F8AF281}" type="datetimeFigureOut">
               <a:rPr lang="en-US" smtClean="0"/>
-              <a:t>12/2/2017</a:t>
+              <a:t>12/4/2017</a:t>
             </a:fld>
             <a:endParaRPr lang="en-US"/>
           </a:p>
@@ -1176,7 +1186,7 @@
           <a:p>
             <a:fld id="{BADD6161-B043-4C30-B6A0-B2BE2F8AF281}" type="datetimeFigureOut">
               <a:rPr lang="en-US" smtClean="0"/>
-              <a:t>12/2/2017</a:t>
+              <a:t>12/4/2017</a:t>
             </a:fld>
             <a:endParaRPr lang="en-US"/>
           </a:p>
@@ -1480,7 +1490,7 @@
           <a:p>
             <a:fld id="{BADD6161-B043-4C30-B6A0-B2BE2F8AF281}" type="datetimeFigureOut">
               <a:rPr lang="en-US" smtClean="0"/>
-              <a:t>12/2/2017</a:t>
+              <a:t>12/4/2017</a:t>
             </a:fld>
             <a:endParaRPr lang="en-US"/>
           </a:p>
@@ -1902,7 +1912,7 @@
           <a:p>
             <a:fld id="{BADD6161-B043-4C30-B6A0-B2BE2F8AF281}" type="datetimeFigureOut">
               <a:rPr lang="en-US" smtClean="0"/>
-              <a:t>12/2/2017</a:t>
+              <a:t>12/4/2017</a:t>
             </a:fld>
             <a:endParaRPr lang="en-US"/>
           </a:p>
@@ -2020,7 +2030,7 @@
           <a:p>
             <a:fld id="{BADD6161-B043-4C30-B6A0-B2BE2F8AF281}" type="datetimeFigureOut">
               <a:rPr lang="en-US" smtClean="0"/>
-              <a:t>12/2/2017</a:t>
+              <a:t>12/4/2017</a:t>
             </a:fld>
             <a:endParaRPr lang="en-US"/>
           </a:p>
@@ -2115,7 +2125,7 @@
           <a:p>
             <a:fld id="{BADD6161-B043-4C30-B6A0-B2BE2F8AF281}" type="datetimeFigureOut">
               <a:rPr lang="en-US" smtClean="0"/>
-              <a:t>12/2/2017</a:t>
+              <a:t>12/4/2017</a:t>
             </a:fld>
             <a:endParaRPr lang="en-US"/>
           </a:p>
@@ -2388,7 +2398,7 @@
           <a:p>
             <a:fld id="{BADD6161-B043-4C30-B6A0-B2BE2F8AF281}" type="datetimeFigureOut">
               <a:rPr lang="en-US" smtClean="0"/>
-              <a:t>12/2/2017</a:t>
+              <a:t>12/4/2017</a:t>
             </a:fld>
             <a:endParaRPr lang="en-US"/>
           </a:p>
@@ -2653,7 +2663,7 @@
           <a:p>
             <a:fld id="{BADD6161-B043-4C30-B6A0-B2BE2F8AF281}" type="datetimeFigureOut">
               <a:rPr lang="en-US" smtClean="0"/>
-              <a:t>12/2/2017</a:t>
+              <a:t>12/4/2017</a:t>
             </a:fld>
             <a:endParaRPr lang="en-US"/>
           </a:p>
@@ -2902,7 +2912,7 @@
           <a:p>
             <a:fld id="{BADD6161-B043-4C30-B6A0-B2BE2F8AF281}" type="datetimeFigureOut">
               <a:rPr lang="en-US" smtClean="0"/>
-              <a:t>12/2/2017</a:t>
+              <a:t>12/4/2017</a:t>
             </a:fld>
             <a:endParaRPr lang="en-US"/>
           </a:p>
@@ -3603,6 +3613,785 @@
           <p:cNvPr id="2" name="Title 1">
             <a:extLst>
               <a:ext uri="{FF2B5EF4-FFF2-40B4-BE49-F238E27FC236}">
+                <a16:creationId xmlns:a16="http://schemas.microsoft.com/office/drawing/2014/main" id="{CA731A51-1D36-4AF5-B5A5-BE1F35EA7552}"/>
+              </a:ext>
+            </a:extLst>
+          </p:cNvPr>
+          <p:cNvSpPr>
+            <a:spLocks noGrp="1"/>
+          </p:cNvSpPr>
+          <p:nvPr>
+            <p:ph type="title"/>
+          </p:nvPr>
+        </p:nvSpPr>
+        <p:spPr/>
+        <p:txBody>
+          <a:bodyPr/>
+          <a:lstStyle/>
+          <a:p>
+            <a:r>
+              <a:rPr lang="en-US" dirty="0"/>
+              <a:t>HADOOP PROCESS</a:t>
+            </a:r>
+          </a:p>
+        </p:txBody>
+      </p:sp>
+      <p:pic>
+        <p:nvPicPr>
+          <p:cNvPr id="5" name="Content Placeholder 4" descr="A screenshot of a computer&#10;&#10;Description generated with high confidence">
+            <a:extLst>
+              <a:ext uri="{FF2B5EF4-FFF2-40B4-BE49-F238E27FC236}">
+                <a16:creationId xmlns:a16="http://schemas.microsoft.com/office/drawing/2014/main" id="{97762D6F-6BD8-44F9-8A3C-0E26B7F4BB60}"/>
+              </a:ext>
+            </a:extLst>
+          </p:cNvPr>
+          <p:cNvPicPr>
+            <a:picLocks noGrp="1" noChangeAspect="1"/>
+          </p:cNvPicPr>
+          <p:nvPr>
+            <p:ph idx="1"/>
+          </p:nvPr>
+        </p:nvPicPr>
+        <p:blipFill>
+          <a:blip r:embed="rId2">
+            <a:extLst>
+              <a:ext uri="{28A0092B-C50C-407E-A947-70E740481C1C}">
+                <a14:useLocalDpi xmlns:a14="http://schemas.microsoft.com/office/drawing/2010/main" val="0"/>
+              </a:ext>
+            </a:extLst>
+          </a:blip>
+          <a:stretch>
+            <a:fillRect/>
+          </a:stretch>
+        </p:blipFill>
+        <p:spPr>
+          <a:xfrm>
+            <a:off x="2244780" y="2011363"/>
+            <a:ext cx="7700853" cy="4206875"/>
+          </a:xfrm>
+        </p:spPr>
+      </p:pic>
+    </p:spTree>
+    <p:extLst>
+      <p:ext uri="{BB962C8B-B14F-4D97-AF65-F5344CB8AC3E}">
+        <p14:creationId xmlns:p14="http://schemas.microsoft.com/office/powerpoint/2010/main" val="2048063615"/>
+      </p:ext>
+    </p:extLst>
+  </p:cSld>
+  <p:clrMapOvr>
+    <a:masterClrMapping/>
+  </p:clrMapOvr>
+</p:sld>
+</file>
+
+<file path=ppt/slides/slide12.xml><?xml version="1.0" encoding="utf-8"?>
+<p:sld xmlns:a="http://schemas.openxmlformats.org/drawingml/2006/main" xmlns:r="http://schemas.openxmlformats.org/officeDocument/2006/relationships" xmlns:p="http://schemas.openxmlformats.org/presentationml/2006/main">
+  <p:cSld>
+    <p:spTree>
+      <p:nvGrpSpPr>
+        <p:cNvPr id="1" name=""/>
+        <p:cNvGrpSpPr/>
+        <p:nvPr/>
+      </p:nvGrpSpPr>
+      <p:grpSpPr>
+        <a:xfrm>
+          <a:off x="0" y="0"/>
+          <a:ext cx="0" cy="0"/>
+          <a:chOff x="0" y="0"/>
+          <a:chExt cx="0" cy="0"/>
+        </a:xfrm>
+      </p:grpSpPr>
+      <p:sp>
+        <p:nvSpPr>
+          <p:cNvPr id="2" name="Title 1">
+            <a:extLst>
+              <a:ext uri="{FF2B5EF4-FFF2-40B4-BE49-F238E27FC236}">
+                <a16:creationId xmlns:a16="http://schemas.microsoft.com/office/drawing/2014/main" id="{E81AA81B-7240-4A79-9F24-A35315D430CE}"/>
+              </a:ext>
+            </a:extLst>
+          </p:cNvPr>
+          <p:cNvSpPr>
+            <a:spLocks noGrp="1"/>
+          </p:cNvSpPr>
+          <p:nvPr>
+            <p:ph type="title"/>
+          </p:nvPr>
+        </p:nvSpPr>
+        <p:spPr/>
+        <p:txBody>
+          <a:bodyPr/>
+          <a:lstStyle/>
+          <a:p>
+            <a:r>
+              <a:rPr lang="en-US" dirty="0"/>
+              <a:t>Result preview</a:t>
+            </a:r>
+          </a:p>
+        </p:txBody>
+      </p:sp>
+      <p:graphicFrame>
+        <p:nvGraphicFramePr>
+          <p:cNvPr id="5" name="Content Placeholder 4">
+            <a:extLst>
+              <a:ext uri="{FF2B5EF4-FFF2-40B4-BE49-F238E27FC236}">
+                <a16:creationId xmlns:a16="http://schemas.microsoft.com/office/drawing/2014/main" id="{A6516632-3F1D-4CB7-9DB8-8B2489A463E5}"/>
+              </a:ext>
+            </a:extLst>
+          </p:cNvPr>
+          <p:cNvGraphicFramePr>
+            <a:graphicFrameLocks noGrp="1" noChangeAspect="1"/>
+          </p:cNvGraphicFramePr>
+          <p:nvPr>
+            <p:ph idx="1"/>
+            <p:extLst>
+              <p:ext uri="{D42A27DB-BD31-4B8C-83A1-F6EECF244321}">
+                <p14:modId xmlns:p14="http://schemas.microsoft.com/office/powerpoint/2010/main" val="3999875649"/>
+              </p:ext>
+            </p:extLst>
+          </p:nvPr>
+        </p:nvGraphicFramePr>
+        <p:xfrm>
+          <a:off x="3341688" y="2941983"/>
+          <a:ext cx="4288803" cy="3276255"/>
+        </p:xfrm>
+        <a:graphic>
+          <a:graphicData uri="http://schemas.openxmlformats.org/presentationml/2006/ole">
+            <mc:AlternateContent xmlns:mc="http://schemas.openxmlformats.org/markup-compatibility/2006">
+              <mc:Choice xmlns:v="urn:schemas-microsoft-com:vml" Requires="v">
+                <p:oleObj spid="_x0000_s1026" name="Packager Shell Object" showAsIcon="1" r:id="rId3" imgW="457920" imgH="349200" progId="Package">
+                  <p:embed/>
+                </p:oleObj>
+              </mc:Choice>
+              <mc:Fallback>
+                <p:oleObj name="Packager Shell Object" showAsIcon="1" r:id="rId3" imgW="457920" imgH="349200" progId="Package">
+                  <p:embed/>
+                  <p:pic>
+                    <p:nvPicPr>
+                      <p:cNvPr id="0" name=""/>
+                      <p:cNvPicPr/>
+                      <p:nvPr/>
+                    </p:nvPicPr>
+                    <p:blipFill>
+                      <a:blip r:embed="rId4"/>
+                      <a:stretch>
+                        <a:fillRect/>
+                      </a:stretch>
+                    </p:blipFill>
+                    <p:spPr>
+                      <a:xfrm>
+                        <a:off x="3341688" y="2941983"/>
+                        <a:ext cx="4288803" cy="3276255"/>
+                      </a:xfrm>
+                      <a:prstGeom prst="rect">
+                        <a:avLst/>
+                      </a:prstGeom>
+                    </p:spPr>
+                  </p:pic>
+                </p:oleObj>
+              </mc:Fallback>
+            </mc:AlternateContent>
+          </a:graphicData>
+        </a:graphic>
+      </p:graphicFrame>
+    </p:spTree>
+    <p:extLst>
+      <p:ext uri="{BB962C8B-B14F-4D97-AF65-F5344CB8AC3E}">
+        <p14:creationId xmlns:p14="http://schemas.microsoft.com/office/powerpoint/2010/main" val="1367293367"/>
+      </p:ext>
+    </p:extLst>
+  </p:cSld>
+  <p:clrMapOvr>
+    <a:masterClrMapping/>
+  </p:clrMapOvr>
+</p:sld>
+</file>
+
+<file path=ppt/slides/slide13.xml><?xml version="1.0" encoding="utf-8"?>
+<p:sld xmlns:a="http://schemas.openxmlformats.org/drawingml/2006/main" xmlns:r="http://schemas.openxmlformats.org/officeDocument/2006/relationships" xmlns:p="http://schemas.openxmlformats.org/presentationml/2006/main">
+  <p:cSld>
+    <p:spTree>
+      <p:nvGrpSpPr>
+        <p:cNvPr id="1" name=""/>
+        <p:cNvGrpSpPr/>
+        <p:nvPr/>
+      </p:nvGrpSpPr>
+      <p:grpSpPr>
+        <a:xfrm>
+          <a:off x="0" y="0"/>
+          <a:ext cx="0" cy="0"/>
+          <a:chOff x="0" y="0"/>
+          <a:chExt cx="0" cy="0"/>
+        </a:xfrm>
+      </p:grpSpPr>
+      <p:sp>
+        <p:nvSpPr>
+          <p:cNvPr id="2" name="Title 1">
+            <a:extLst>
+              <a:ext uri="{FF2B5EF4-FFF2-40B4-BE49-F238E27FC236}">
+                <a16:creationId xmlns:a16="http://schemas.microsoft.com/office/drawing/2014/main" id="{EFCC59C2-8785-45AC-B35F-BFCEACF0792D}"/>
+              </a:ext>
+            </a:extLst>
+          </p:cNvPr>
+          <p:cNvSpPr>
+            <a:spLocks noGrp="1"/>
+          </p:cNvSpPr>
+          <p:nvPr>
+            <p:ph type="title"/>
+          </p:nvPr>
+        </p:nvSpPr>
+        <p:spPr/>
+        <p:txBody>
+          <a:bodyPr/>
+          <a:lstStyle/>
+          <a:p>
+            <a:r>
+              <a:rPr lang="en-US" dirty="0"/>
+              <a:t>Result</a:t>
+            </a:r>
+          </a:p>
+        </p:txBody>
+      </p:sp>
+      <p:pic>
+        <p:nvPicPr>
+          <p:cNvPr id="5" name="Content Placeholder 4" descr="A close up of a logo&#10;&#10;Description generated with very high confidence">
+            <a:extLst>
+              <a:ext uri="{FF2B5EF4-FFF2-40B4-BE49-F238E27FC236}">
+                <a16:creationId xmlns:a16="http://schemas.microsoft.com/office/drawing/2014/main" id="{C855CB8E-226A-4281-8256-9FF0EB01BDE8}"/>
+              </a:ext>
+            </a:extLst>
+          </p:cNvPr>
+          <p:cNvPicPr>
+            <a:picLocks noGrp="1" noChangeAspect="1"/>
+          </p:cNvPicPr>
+          <p:nvPr>
+            <p:ph idx="1"/>
+          </p:nvPr>
+        </p:nvPicPr>
+        <p:blipFill>
+          <a:blip r:embed="rId2">
+            <a:extLst>
+              <a:ext uri="{28A0092B-C50C-407E-A947-70E740481C1C}">
+                <a14:useLocalDpi xmlns:a14="http://schemas.microsoft.com/office/drawing/2010/main" val="0"/>
+              </a:ext>
+            </a:extLst>
+          </a:blip>
+          <a:stretch>
+            <a:fillRect/>
+          </a:stretch>
+        </p:blipFill>
+        <p:spPr>
+          <a:xfrm>
+            <a:off x="3613597" y="2852562"/>
+            <a:ext cx="4963218" cy="2524477"/>
+          </a:xfrm>
+        </p:spPr>
+      </p:pic>
+    </p:spTree>
+    <p:extLst>
+      <p:ext uri="{BB962C8B-B14F-4D97-AF65-F5344CB8AC3E}">
+        <p14:creationId xmlns:p14="http://schemas.microsoft.com/office/powerpoint/2010/main" val="1865782293"/>
+      </p:ext>
+    </p:extLst>
+  </p:cSld>
+  <p:clrMapOvr>
+    <a:masterClrMapping/>
+  </p:clrMapOvr>
+</p:sld>
+</file>
+
+<file path=ppt/slides/slide14.xml><?xml version="1.0" encoding="utf-8"?>
+<p:sld xmlns:a="http://schemas.openxmlformats.org/drawingml/2006/main" xmlns:r="http://schemas.openxmlformats.org/officeDocument/2006/relationships" xmlns:p="http://schemas.openxmlformats.org/presentationml/2006/main">
+  <p:cSld>
+    <p:spTree>
+      <p:nvGrpSpPr>
+        <p:cNvPr id="1" name=""/>
+        <p:cNvGrpSpPr/>
+        <p:nvPr/>
+      </p:nvGrpSpPr>
+      <p:grpSpPr>
+        <a:xfrm>
+          <a:off x="0" y="0"/>
+          <a:ext cx="0" cy="0"/>
+          <a:chOff x="0" y="0"/>
+          <a:chExt cx="0" cy="0"/>
+        </a:xfrm>
+      </p:grpSpPr>
+      <p:sp>
+        <p:nvSpPr>
+          <p:cNvPr id="2" name="Title 1">
+            <a:extLst>
+              <a:ext uri="{FF2B5EF4-FFF2-40B4-BE49-F238E27FC236}">
+                <a16:creationId xmlns:a16="http://schemas.microsoft.com/office/drawing/2014/main" id="{5DE906E4-2588-42AE-AC49-3BDAACCB433B}"/>
+              </a:ext>
+            </a:extLst>
+          </p:cNvPr>
+          <p:cNvSpPr>
+            <a:spLocks noGrp="1"/>
+          </p:cNvSpPr>
+          <p:nvPr>
+            <p:ph type="title"/>
+          </p:nvPr>
+        </p:nvSpPr>
+        <p:spPr/>
+        <p:txBody>
+          <a:bodyPr/>
+          <a:lstStyle/>
+          <a:p>
+            <a:r>
+              <a:rPr lang="en-US" dirty="0"/>
+              <a:t>Clean results</a:t>
+            </a:r>
+          </a:p>
+        </p:txBody>
+      </p:sp>
+      <p:sp>
+        <p:nvSpPr>
+          <p:cNvPr id="3" name="Content Placeholder 2">
+            <a:extLst>
+              <a:ext uri="{FF2B5EF4-FFF2-40B4-BE49-F238E27FC236}">
+                <a16:creationId xmlns:a16="http://schemas.microsoft.com/office/drawing/2014/main" id="{BBA2C9C5-0DDF-4B74-BE49-262B76425456}"/>
+              </a:ext>
+            </a:extLst>
+          </p:cNvPr>
+          <p:cNvSpPr>
+            <a:spLocks noGrp="1"/>
+          </p:cNvSpPr>
+          <p:nvPr>
+            <p:ph idx="1"/>
+          </p:nvPr>
+        </p:nvSpPr>
+        <p:spPr/>
+        <p:txBody>
+          <a:bodyPr/>
+          <a:lstStyle/>
+          <a:p>
+            <a:r>
+              <a:rPr lang="en-US" dirty="0"/>
+              <a:t>Get rid of useless words</a:t>
+            </a:r>
+          </a:p>
+          <a:p>
+            <a:endParaRPr lang="en-US" dirty="0"/>
+          </a:p>
+        </p:txBody>
+      </p:sp>
+      <p:pic>
+        <p:nvPicPr>
+          <p:cNvPr id="4" name="Picture 3">
+            <a:extLst>
+              <a:ext uri="{FF2B5EF4-FFF2-40B4-BE49-F238E27FC236}">
+                <a16:creationId xmlns:a16="http://schemas.microsoft.com/office/drawing/2014/main" id="{826CB0C1-53C9-4028-BB1D-4AE990817BEB}"/>
+              </a:ext>
+            </a:extLst>
+          </p:cNvPr>
+          <p:cNvPicPr>
+            <a:picLocks noChangeAspect="1"/>
+          </p:cNvPicPr>
+          <p:nvPr/>
+        </p:nvPicPr>
+        <p:blipFill>
+          <a:blip r:embed="rId2"/>
+          <a:stretch>
+            <a:fillRect/>
+          </a:stretch>
+        </p:blipFill>
+        <p:spPr>
+          <a:xfrm>
+            <a:off x="1308347" y="2531836"/>
+            <a:ext cx="7324725" cy="2838450"/>
+          </a:xfrm>
+          <a:prstGeom prst="rect">
+            <a:avLst/>
+          </a:prstGeom>
+        </p:spPr>
+      </p:pic>
+    </p:spTree>
+    <p:extLst>
+      <p:ext uri="{BB962C8B-B14F-4D97-AF65-F5344CB8AC3E}">
+        <p14:creationId xmlns:p14="http://schemas.microsoft.com/office/powerpoint/2010/main" val="102853492"/>
+      </p:ext>
+    </p:extLst>
+  </p:cSld>
+  <p:clrMapOvr>
+    <a:masterClrMapping/>
+  </p:clrMapOvr>
+</p:sld>
+</file>
+
+<file path=ppt/slides/slide15.xml><?xml version="1.0" encoding="utf-8"?>
+<p:sld xmlns:a="http://schemas.openxmlformats.org/drawingml/2006/main" xmlns:r="http://schemas.openxmlformats.org/officeDocument/2006/relationships" xmlns:p="http://schemas.openxmlformats.org/presentationml/2006/main">
+  <p:cSld>
+    <p:bg>
+      <p:bgPr>
+        <a:solidFill>
+          <a:schemeClr val="bg1"/>
+        </a:solidFill>
+        <a:effectLst/>
+      </p:bgPr>
+    </p:bg>
+    <p:spTree>
+      <p:nvGrpSpPr>
+        <p:cNvPr id="1" name=""/>
+        <p:cNvGrpSpPr/>
+        <p:nvPr/>
+      </p:nvGrpSpPr>
+      <p:grpSpPr>
+        <a:xfrm>
+          <a:off x="0" y="0"/>
+          <a:ext cx="0" cy="0"/>
+          <a:chOff x="0" y="0"/>
+          <a:chExt cx="0" cy="0"/>
+        </a:xfrm>
+      </p:grpSpPr>
+      <p:sp>
+        <p:nvSpPr>
+          <p:cNvPr id="10" name="Rectangle 9">
+            <a:extLst>
+              <a:ext uri="{FF2B5EF4-FFF2-40B4-BE49-F238E27FC236}">
+                <a16:creationId xmlns:a16="http://schemas.microsoft.com/office/drawing/2014/main" id="{5F9F5EB8-AB42-47FD-8F4A-176C0A4B1B0A}"/>
+              </a:ext>
+            </a:extLst>
+          </p:cNvPr>
+          <p:cNvSpPr>
+            <a:spLocks noGrp="1" noRot="1" noChangeAspect="1" noMove="1" noResize="1" noEditPoints="1" noAdjustHandles="1" noChangeArrowheads="1" noChangeShapeType="1" noTextEdit="1"/>
+          </p:cNvSpPr>
+          <p:nvPr>
+            <p:extLst>
+              <p:ext uri="{386F3935-93C4-4BCD-93E2-E3B085C9AB24}">
+                <p16:designElem xmlns:p16="http://schemas.microsoft.com/office/powerpoint/2015/main" val="1"/>
+              </p:ext>
+            </p:extLst>
+          </p:nvPr>
+        </p:nvSpPr>
+        <p:spPr>
+          <a:xfrm>
+            <a:off x="3048" y="2059012"/>
+            <a:ext cx="12188952" cy="1828800"/>
+          </a:xfrm>
+          <a:prstGeom prst="rect">
+            <a:avLst/>
+          </a:prstGeom>
+          <a:solidFill>
+            <a:schemeClr val="tx1"/>
+          </a:solidFill>
+          <a:ln>
+            <a:noFill/>
+          </a:ln>
+        </p:spPr>
+        <p:style>
+          <a:lnRef idx="2">
+            <a:schemeClr val="accent1">
+              <a:shade val="50000"/>
+            </a:schemeClr>
+          </a:lnRef>
+          <a:fillRef idx="1">
+            <a:schemeClr val="accent1"/>
+          </a:fillRef>
+          <a:effectRef idx="0">
+            <a:schemeClr val="accent1"/>
+          </a:effectRef>
+          <a:fontRef idx="minor">
+            <a:schemeClr val="lt1"/>
+          </a:fontRef>
+        </p:style>
+      </p:sp>
+      <p:sp>
+        <p:nvSpPr>
+          <p:cNvPr id="12" name="Rectangle 11">
+            <a:extLst>
+              <a:ext uri="{FF2B5EF4-FFF2-40B4-BE49-F238E27FC236}">
+                <a16:creationId xmlns:a16="http://schemas.microsoft.com/office/drawing/2014/main" id="{8B3AE79A-6B95-44C3-B0A5-80E2F3E60606}"/>
+              </a:ext>
+            </a:extLst>
+          </p:cNvPr>
+          <p:cNvSpPr>
+            <a:spLocks noGrp="1" noRot="1" noChangeAspect="1" noMove="1" noResize="1" noEditPoints="1" noAdjustHandles="1" noChangeArrowheads="1" noChangeShapeType="1" noTextEdit="1"/>
+          </p:cNvSpPr>
+          <p:nvPr>
+            <p:extLst>
+              <p:ext uri="{386F3935-93C4-4BCD-93E2-E3B085C9AB24}">
+                <p16:designElem xmlns:p16="http://schemas.microsoft.com/office/powerpoint/2015/main" val="1"/>
+              </p:ext>
+            </p:extLst>
+          </p:nvPr>
+        </p:nvSpPr>
+        <p:spPr>
+          <a:xfrm>
+            <a:off x="7540358" y="0"/>
+            <a:ext cx="4651642" cy="6858000"/>
+          </a:xfrm>
+          <a:prstGeom prst="rect">
+            <a:avLst/>
+          </a:prstGeom>
+          <a:solidFill>
+            <a:schemeClr val="tx2"/>
+          </a:solidFill>
+          <a:ln>
+            <a:noFill/>
+          </a:ln>
+        </p:spPr>
+        <p:style>
+          <a:lnRef idx="2">
+            <a:schemeClr val="accent1">
+              <a:shade val="50000"/>
+            </a:schemeClr>
+          </a:lnRef>
+          <a:fillRef idx="1">
+            <a:schemeClr val="accent1"/>
+          </a:fillRef>
+          <a:effectRef idx="0">
+            <a:schemeClr val="accent1"/>
+          </a:effectRef>
+          <a:fontRef idx="minor">
+            <a:schemeClr val="lt1"/>
+          </a:fontRef>
+        </p:style>
+        <p:txBody>
+          <a:bodyPr rtlCol="0" anchor="ctr"/>
+          <a:lstStyle/>
+          <a:p>
+            <a:pPr algn="ctr"/>
+            <a:endParaRPr lang="en-US"/>
+          </a:p>
+        </p:txBody>
+      </p:sp>
+      <p:sp>
+        <p:nvSpPr>
+          <p:cNvPr id="14" name="Rectangle 13">
+            <a:extLst>
+              <a:ext uri="{FF2B5EF4-FFF2-40B4-BE49-F238E27FC236}">
+                <a16:creationId xmlns:a16="http://schemas.microsoft.com/office/drawing/2014/main" id="{4A49FE10-080D-48D7-80FF-9A64D270AD87}"/>
+              </a:ext>
+            </a:extLst>
+          </p:cNvPr>
+          <p:cNvSpPr>
+            <a:spLocks noGrp="1" noRot="1" noChangeAspect="1" noMove="1" noResize="1" noEditPoints="1" noAdjustHandles="1" noChangeArrowheads="1" noChangeShapeType="1" noTextEdit="1"/>
+          </p:cNvSpPr>
+          <p:nvPr>
+            <p:extLst>
+              <p:ext uri="{386F3935-93C4-4BCD-93E2-E3B085C9AB24}">
+                <p16:designElem xmlns:p16="http://schemas.microsoft.com/office/powerpoint/2015/main" val="1"/>
+              </p:ext>
+            </p:extLst>
+          </p:nvPr>
+        </p:nvSpPr>
+        <p:spPr>
+          <a:xfrm>
+            <a:off x="7534551" y="2054942"/>
+            <a:ext cx="4657449" cy="1828799"/>
+          </a:xfrm>
+          <a:prstGeom prst="rect">
+            <a:avLst/>
+          </a:prstGeom>
+          <a:solidFill>
+            <a:schemeClr val="bg1"/>
+          </a:solidFill>
+          <a:ln>
+            <a:noFill/>
+          </a:ln>
+        </p:spPr>
+        <p:style>
+          <a:lnRef idx="2">
+            <a:schemeClr val="accent1">
+              <a:shade val="50000"/>
+            </a:schemeClr>
+          </a:lnRef>
+          <a:fillRef idx="1">
+            <a:schemeClr val="accent1"/>
+          </a:fillRef>
+          <a:effectRef idx="0">
+            <a:schemeClr val="accent1"/>
+          </a:effectRef>
+          <a:fontRef idx="minor">
+            <a:schemeClr val="lt1"/>
+          </a:fontRef>
+        </p:style>
+        <p:txBody>
+          <a:bodyPr rtlCol="0" anchor="ctr"/>
+          <a:lstStyle/>
+          <a:p>
+            <a:pPr algn="ctr"/>
+            <a:endParaRPr lang="en-US"/>
+          </a:p>
+        </p:txBody>
+      </p:sp>
+      <p:sp>
+        <p:nvSpPr>
+          <p:cNvPr id="16" name="Rectangle 15">
+            <a:extLst>
+              <a:ext uri="{FF2B5EF4-FFF2-40B4-BE49-F238E27FC236}">
+                <a16:creationId xmlns:a16="http://schemas.microsoft.com/office/drawing/2014/main" id="{60A9E987-6859-4A62-922F-51B47D50D793}"/>
+              </a:ext>
+            </a:extLst>
+          </p:cNvPr>
+          <p:cNvSpPr>
+            <a:spLocks noGrp="1" noRot="1" noChangeAspect="1" noMove="1" noResize="1" noEditPoints="1" noAdjustHandles="1" noChangeArrowheads="1" noChangeShapeType="1" noTextEdit="1"/>
+          </p:cNvSpPr>
+          <p:nvPr>
+            <p:extLst>
+              <p:ext uri="{386F3935-93C4-4BCD-93E2-E3B085C9AB24}">
+                <p16:designElem xmlns:p16="http://schemas.microsoft.com/office/powerpoint/2015/main" val="1"/>
+              </p:ext>
+            </p:extLst>
+          </p:nvPr>
+        </p:nvSpPr>
+        <p:spPr>
+          <a:xfrm>
+            <a:off x="0" y="0"/>
+            <a:ext cx="7540358" cy="6858000"/>
+          </a:xfrm>
+          <a:prstGeom prst="rect">
+            <a:avLst/>
+          </a:prstGeom>
+          <a:solidFill>
+            <a:schemeClr val="bg1"/>
+          </a:solidFill>
+          <a:ln>
+            <a:noFill/>
+          </a:ln>
+        </p:spPr>
+        <p:style>
+          <a:lnRef idx="2">
+            <a:schemeClr val="accent1">
+              <a:shade val="50000"/>
+            </a:schemeClr>
+          </a:lnRef>
+          <a:fillRef idx="1001">
+            <a:schemeClr val="lt1"/>
+          </a:fillRef>
+          <a:effectRef idx="0">
+            <a:schemeClr val="accent1"/>
+          </a:effectRef>
+          <a:fontRef idx="minor">
+            <a:schemeClr val="lt1"/>
+          </a:fontRef>
+        </p:style>
+        <p:txBody>
+          <a:bodyPr rtlCol="0" anchor="ctr"/>
+          <a:lstStyle/>
+          <a:p>
+            <a:pPr algn="ctr"/>
+            <a:endParaRPr lang="en-US" dirty="0"/>
+          </a:p>
+        </p:txBody>
+      </p:sp>
+      <p:pic>
+        <p:nvPicPr>
+          <p:cNvPr id="5" name="Content Placeholder 4" descr="A picture containing text, map&#10;&#10;Description generated with very high confidence">
+            <a:extLst>
+              <a:ext uri="{FF2B5EF4-FFF2-40B4-BE49-F238E27FC236}">
+                <a16:creationId xmlns:a16="http://schemas.microsoft.com/office/drawing/2014/main" id="{B1CE0623-2970-4B17-931F-A328AE4D07C4}"/>
+              </a:ext>
+            </a:extLst>
+          </p:cNvPr>
+          <p:cNvPicPr>
+            <a:picLocks noGrp="1" noChangeAspect="1"/>
+          </p:cNvPicPr>
+          <p:nvPr>
+            <p:ph idx="1"/>
+          </p:nvPr>
+        </p:nvPicPr>
+        <p:blipFill>
+          <a:blip r:embed="rId2">
+            <a:extLst>
+              <a:ext uri="{28A0092B-C50C-407E-A947-70E740481C1C}">
+                <a14:useLocalDpi xmlns:a14="http://schemas.microsoft.com/office/drawing/2010/main" val="0"/>
+              </a:ext>
+            </a:extLst>
+          </a:blip>
+          <a:stretch>
+            <a:fillRect/>
+          </a:stretch>
+        </p:blipFill>
+        <p:spPr>
+          <a:xfrm>
+            <a:off x="1477417" y="598634"/>
+            <a:ext cx="4579717" cy="5619286"/>
+          </a:xfrm>
+          <a:prstGeom prst="rect">
+            <a:avLst/>
+          </a:prstGeom>
+        </p:spPr>
+      </p:pic>
+      <p:sp>
+        <p:nvSpPr>
+          <p:cNvPr id="2" name="Title 1">
+            <a:extLst>
+              <a:ext uri="{FF2B5EF4-FFF2-40B4-BE49-F238E27FC236}">
+                <a16:creationId xmlns:a16="http://schemas.microsoft.com/office/drawing/2014/main" id="{8B38CD37-4DA3-4355-A69A-927060024436}"/>
+              </a:ext>
+            </a:extLst>
+          </p:cNvPr>
+          <p:cNvSpPr>
+            <a:spLocks noGrp="1"/>
+          </p:cNvSpPr>
+          <p:nvPr>
+            <p:ph type="title"/>
+          </p:nvPr>
+        </p:nvSpPr>
+        <p:spPr>
+          <a:xfrm>
+            <a:off x="7865806" y="2194560"/>
+            <a:ext cx="4001729" cy="1739347"/>
+          </a:xfrm>
+        </p:spPr>
+        <p:txBody>
+          <a:bodyPr vert="horz" lIns="91440" tIns="45720" rIns="91440" bIns="45720" rtlCol="0" anchor="ctr">
+            <a:normAutofit/>
+          </a:bodyPr>
+          <a:lstStyle/>
+          <a:p>
+            <a:pPr algn="ctr">
+              <a:lnSpc>
+                <a:spcPct val="80000"/>
+              </a:lnSpc>
+            </a:pPr>
+            <a:r>
+              <a:rPr lang="en-US" sz="4800" spc="150">
+                <a:solidFill>
+                  <a:schemeClr val="tx2"/>
+                </a:solidFill>
+              </a:rPr>
+              <a:t>Clean REsult</a:t>
+            </a:r>
+          </a:p>
+        </p:txBody>
+      </p:sp>
+    </p:spTree>
+    <p:extLst>
+      <p:ext uri="{BB962C8B-B14F-4D97-AF65-F5344CB8AC3E}">
+        <p14:creationId xmlns:p14="http://schemas.microsoft.com/office/powerpoint/2010/main" val="340143790"/>
+      </p:ext>
+    </p:extLst>
+  </p:cSld>
+  <p:clrMapOvr>
+    <a:overrideClrMapping bg1="lt1" tx1="dk1" bg2="lt2" tx2="dk2" accent1="accent1" accent2="accent2" accent3="accent3" accent4="accent4" accent5="accent5" accent6="accent6" hlink="hlink" folHlink="folHlink"/>
+  </p:clrMapOvr>
+</p:sld>
+</file>
+
+<file path=ppt/slides/slide16.xml><?xml version="1.0" encoding="utf-8"?>
+<p:sld xmlns:a="http://schemas.openxmlformats.org/drawingml/2006/main" xmlns:r="http://schemas.openxmlformats.org/officeDocument/2006/relationships" xmlns:p="http://schemas.openxmlformats.org/presentationml/2006/main">
+  <p:cSld>
+    <p:spTree>
+      <p:nvGrpSpPr>
+        <p:cNvPr id="1" name=""/>
+        <p:cNvGrpSpPr/>
+        <p:nvPr/>
+      </p:nvGrpSpPr>
+      <p:grpSpPr>
+        <a:xfrm>
+          <a:off x="0" y="0"/>
+          <a:ext cx="0" cy="0"/>
+          <a:chOff x="0" y="0"/>
+          <a:chExt cx="0" cy="0"/>
+        </a:xfrm>
+      </p:grpSpPr>
+      <p:sp>
+        <p:nvSpPr>
+          <p:cNvPr id="2" name="Title 1">
+            <a:extLst>
+              <a:ext uri="{FF2B5EF4-FFF2-40B4-BE49-F238E27FC236}">
                 <a16:creationId xmlns:a16="http://schemas.microsoft.com/office/drawing/2014/main" id="{3C82698F-E367-4410-BC58-F5F383C299EB}"/>
               </a:ext>
             </a:extLst>
